--- a/docs/workshop.pptx
+++ b/docs/workshop.pptx
@@ -8,6 +8,8 @@
     <p:sldId id="256" r:id="rId2"/>
     <p:sldId id="257" r:id="rId3"/>
     <p:sldId id="258" r:id="rId4"/>
+    <p:sldId id="259" r:id="rId5"/>
+    <p:sldId id="260" r:id="rId6"/>
   </p:sldIdLst>
   <p:sldSz cx="12192000" cy="6858000"/>
   <p:notesSz cx="6858000" cy="9144000"/>
@@ -269,7 +271,7 @@
           <a:p>
             <a:fld id="{48A87A34-81AB-432B-8DAE-1953F412C126}" type="datetimeFigureOut">
               <a:rPr lang="en-US" smtClean="0"/>
-              <a:t>9/30/2015</a:t>
+              <a:t>10/13/2015</a:t>
             </a:fld>
             <a:endParaRPr lang="en-US" dirty="0"/>
           </a:p>
@@ -561,7 +563,7 @@
           <a:p>
             <a:fld id="{48A87A34-81AB-432B-8DAE-1953F412C126}" type="datetimeFigureOut">
               <a:rPr lang="en-US" smtClean="0"/>
-              <a:t>9/30/2015</a:t>
+              <a:t>10/13/2015</a:t>
             </a:fld>
             <a:endParaRPr lang="en-US" dirty="0"/>
           </a:p>
@@ -765,7 +767,7 @@
           <a:p>
             <a:fld id="{48A87A34-81AB-432B-8DAE-1953F412C126}" type="datetimeFigureOut">
               <a:rPr lang="en-US" smtClean="0"/>
-              <a:t>9/30/2015</a:t>
+              <a:t>10/13/2015</a:t>
             </a:fld>
             <a:endParaRPr lang="en-US" dirty="0"/>
           </a:p>
@@ -1038,7 +1040,7 @@
           <a:p>
             <a:fld id="{48A87A34-81AB-432B-8DAE-1953F412C126}" type="datetimeFigureOut">
               <a:rPr lang="en-US" smtClean="0"/>
-              <a:t>9/30/2015</a:t>
+              <a:t>10/13/2015</a:t>
             </a:fld>
             <a:endParaRPr lang="en-US" dirty="0"/>
           </a:p>
@@ -1474,7 +1476,7 @@
           <a:p>
             <a:fld id="{48A87A34-81AB-432B-8DAE-1953F412C126}" type="datetimeFigureOut">
               <a:rPr lang="en-US" smtClean="0"/>
-              <a:t>9/30/2015</a:t>
+              <a:t>10/13/2015</a:t>
             </a:fld>
             <a:endParaRPr lang="en-US" dirty="0"/>
           </a:p>
@@ -2027,7 +2029,7 @@
           <a:p>
             <a:fld id="{48A87A34-81AB-432B-8DAE-1953F412C126}" type="datetimeFigureOut">
               <a:rPr lang="en-US" smtClean="0"/>
-              <a:t>9/30/2015</a:t>
+              <a:t>10/13/2015</a:t>
             </a:fld>
             <a:endParaRPr lang="en-US" dirty="0"/>
           </a:p>
@@ -2865,7 +2867,7 @@
           <a:p>
             <a:fld id="{48A87A34-81AB-432B-8DAE-1953F412C126}" type="datetimeFigureOut">
               <a:rPr lang="en-US" smtClean="0"/>
-              <a:t>9/30/2015</a:t>
+              <a:t>10/13/2015</a:t>
             </a:fld>
             <a:endParaRPr lang="en-US" dirty="0"/>
           </a:p>
@@ -3047,7 +3049,7 @@
           <a:p>
             <a:fld id="{48A87A34-81AB-432B-8DAE-1953F412C126}" type="datetimeFigureOut">
               <a:rPr lang="en-US" smtClean="0"/>
-              <a:t>9/30/2015</a:t>
+              <a:t>10/13/2015</a:t>
             </a:fld>
             <a:endParaRPr lang="en-US" dirty="0"/>
           </a:p>
@@ -3238,7 +3240,7 @@
           <a:p>
             <a:fld id="{48A87A34-81AB-432B-8DAE-1953F412C126}" type="datetimeFigureOut">
               <a:rPr lang="en-US" smtClean="0"/>
-              <a:t>9/30/2015</a:t>
+              <a:t>10/13/2015</a:t>
             </a:fld>
             <a:endParaRPr lang="en-US" dirty="0"/>
           </a:p>
@@ -3475,7 +3477,7 @@
           <a:p>
             <a:fld id="{48A87A34-81AB-432B-8DAE-1953F412C126}" type="datetimeFigureOut">
               <a:rPr lang="en-US" smtClean="0"/>
-              <a:t>9/30/2015</a:t>
+              <a:t>10/13/2015</a:t>
             </a:fld>
             <a:endParaRPr lang="en-US" dirty="0"/>
           </a:p>
@@ -3758,7 +3760,7 @@
           <a:p>
             <a:fld id="{48A87A34-81AB-432B-8DAE-1953F412C126}" type="datetimeFigureOut">
               <a:rPr lang="en-US" smtClean="0"/>
-              <a:t>9/30/2015</a:t>
+              <a:t>10/13/2015</a:t>
             </a:fld>
             <a:endParaRPr lang="en-US" dirty="0"/>
           </a:p>
@@ -4002,7 +4004,7 @@
           <a:p>
             <a:fld id="{48A87A34-81AB-432B-8DAE-1953F412C126}" type="datetimeFigureOut">
               <a:rPr lang="en-US" smtClean="0"/>
-              <a:t>9/30/2015</a:t>
+              <a:t>10/13/2015</a:t>
             </a:fld>
             <a:endParaRPr lang="en-US" dirty="0"/>
           </a:p>
@@ -4394,7 +4396,7 @@
           <a:p>
             <a:fld id="{48A87A34-81AB-432B-8DAE-1953F412C126}" type="datetimeFigureOut">
               <a:rPr lang="en-US" smtClean="0"/>
-              <a:t>9/30/2015</a:t>
+              <a:t>10/13/2015</a:t>
             </a:fld>
             <a:endParaRPr lang="en-US" dirty="0"/>
           </a:p>
@@ -4527,7 +4529,7 @@
           <a:p>
             <a:fld id="{48A87A34-81AB-432B-8DAE-1953F412C126}" type="datetimeFigureOut">
               <a:rPr lang="en-US" smtClean="0"/>
-              <a:t>9/30/2015</a:t>
+              <a:t>10/13/2015</a:t>
             </a:fld>
             <a:endParaRPr lang="en-US" dirty="0"/>
           </a:p>
@@ -4629,7 +4631,7 @@
           <a:p>
             <a:fld id="{48A87A34-81AB-432B-8DAE-1953F412C126}" type="datetimeFigureOut">
               <a:rPr lang="en-US" smtClean="0"/>
-              <a:t>9/30/2015</a:t>
+              <a:t>10/13/2015</a:t>
             </a:fld>
             <a:endParaRPr lang="en-US" dirty="0"/>
           </a:p>
@@ -4885,7 +4887,7 @@
           <a:p>
             <a:fld id="{48A87A34-81AB-432B-8DAE-1953F412C126}" type="datetimeFigureOut">
               <a:rPr lang="en-US" smtClean="0"/>
-              <a:t>9/30/2015</a:t>
+              <a:t>10/13/2015</a:t>
             </a:fld>
             <a:endParaRPr lang="en-US" dirty="0"/>
           </a:p>
@@ -5177,7 +5179,7 @@
           <a:p>
             <a:fld id="{48A87A34-81AB-432B-8DAE-1953F412C126}" type="datetimeFigureOut">
               <a:rPr lang="en-US" smtClean="0"/>
-              <a:t>9/30/2015</a:t>
+              <a:t>10/13/2015</a:t>
             </a:fld>
             <a:endParaRPr lang="en-US" dirty="0"/>
           </a:p>
@@ -5399,7 +5401,7 @@
             <a:fld id="{48A87A34-81AB-432B-8DAE-1953F412C126}" type="datetimeFigureOut">
               <a:rPr lang="en-US" smtClean="0"/>
               <a:pPr/>
-              <a:t>9/30/2015</a:t>
+              <a:t>10/13/2015</a:t>
             </a:fld>
             <a:endParaRPr lang="en-US" dirty="0"/>
           </a:p>
@@ -6516,7 +6518,6 @@
                 <a:rPr lang="en-US" dirty="0"/>
                 <a:t>item-title</a:t>
               </a:r>
-              <a:endParaRPr lang="en-US" dirty="0"/>
             </a:p>
           </p:txBody>
         </p:sp>
@@ -6558,7 +6559,6 @@
                 <a:rPr lang="en-US" dirty="0"/>
                 <a:t>item-title</a:t>
               </a:r>
-              <a:endParaRPr lang="en-US" dirty="0"/>
             </a:p>
           </p:txBody>
         </p:sp>
@@ -6601,7 +6601,6 @@
               <a:rPr lang="en-US" dirty="0"/>
               <a:t>item-title</a:t>
             </a:r>
-            <a:endParaRPr lang="en-US" dirty="0"/>
           </a:p>
         </p:txBody>
       </p:sp>
@@ -6991,6 +6990,898 @@
     <p:extLst>
       <p:ext uri="{BB962C8B-B14F-4D97-AF65-F5344CB8AC3E}">
         <p14:creationId xmlns:p14="http://schemas.microsoft.com/office/powerpoint/2010/main" val="2701965074"/>
+      </p:ext>
+    </p:extLst>
+  </p:cSld>
+  <p:clrMapOvr>
+    <a:masterClrMapping/>
+  </p:clrMapOvr>
+  <p:timing>
+    <p:tnLst>
+      <p:par>
+        <p:cTn id="1" dur="indefinite" restart="never" nodeType="tmRoot"/>
+      </p:par>
+    </p:tnLst>
+  </p:timing>
+</p:sld>
+</file>
+
+<file path=ppt/slides/slide4.xml><?xml version="1.0" encoding="utf-8"?>
+<p:sld xmlns:a="http://schemas.openxmlformats.org/drawingml/2006/main" xmlns:r="http://schemas.openxmlformats.org/officeDocument/2006/relationships" xmlns:p="http://schemas.openxmlformats.org/presentationml/2006/main">
+  <p:cSld>
+    <p:spTree>
+      <p:nvGrpSpPr>
+        <p:cNvPr id="1" name=""/>
+        <p:cNvGrpSpPr/>
+        <p:nvPr/>
+      </p:nvGrpSpPr>
+      <p:grpSpPr>
+        <a:xfrm>
+          <a:off x="0" y="0"/>
+          <a:ext cx="0" cy="0"/>
+          <a:chOff x="0" y="0"/>
+          <a:chExt cx="0" cy="0"/>
+        </a:xfrm>
+      </p:grpSpPr>
+      <p:grpSp>
+        <p:nvGrpSpPr>
+          <p:cNvPr id="5" name="Group 4"/>
+          <p:cNvGrpSpPr/>
+          <p:nvPr/>
+        </p:nvGrpSpPr>
+        <p:grpSpPr>
+          <a:xfrm>
+            <a:off x="252677" y="548641"/>
+            <a:ext cx="3145617" cy="6188322"/>
+            <a:chOff x="4090064" y="3385819"/>
+            <a:chExt cx="609510" cy="6424432"/>
+          </a:xfrm>
+          <a:solidFill>
+            <a:schemeClr val="bg1">
+              <a:lumMod val="50000"/>
+            </a:schemeClr>
+          </a:solidFill>
+        </p:grpSpPr>
+        <p:sp>
+          <p:nvSpPr>
+            <p:cNvPr id="6" name="Rectangle 5"/>
+            <p:cNvSpPr/>
+            <p:nvPr/>
+          </p:nvSpPr>
+          <p:spPr>
+            <a:xfrm>
+              <a:off x="4090064" y="3385819"/>
+              <a:ext cx="609510" cy="6424432"/>
+            </a:xfrm>
+            <a:prstGeom prst="rect">
+              <a:avLst/>
+            </a:prstGeom>
+            <a:grpFill/>
+          </p:spPr>
+          <p:style>
+            <a:lnRef idx="2">
+              <a:schemeClr val="dk1"/>
+            </a:lnRef>
+            <a:fillRef idx="1">
+              <a:schemeClr val="lt1"/>
+            </a:fillRef>
+            <a:effectRef idx="0">
+              <a:schemeClr val="dk1"/>
+            </a:effectRef>
+            <a:fontRef idx="minor">
+              <a:schemeClr val="dk1"/>
+            </a:fontRef>
+          </p:style>
+          <p:txBody>
+            <a:bodyPr rtlCol="0" anchor="ctr"/>
+            <a:lstStyle/>
+            <a:p>
+              <a:pPr algn="ctr"/>
+              <a:endParaRPr lang="fr-FR" dirty="0"/>
+            </a:p>
+          </p:txBody>
+        </p:sp>
+        <p:sp>
+          <p:nvSpPr>
+            <p:cNvPr id="7" name="TextBox 6"/>
+            <p:cNvSpPr txBox="1"/>
+            <p:nvPr/>
+          </p:nvSpPr>
+          <p:spPr>
+            <a:xfrm>
+              <a:off x="4148524" y="3538843"/>
+              <a:ext cx="297694" cy="383424"/>
+            </a:xfrm>
+            <a:prstGeom prst="rect">
+              <a:avLst/>
+            </a:prstGeom>
+            <a:grpFill/>
+          </p:spPr>
+          <p:txBody>
+            <a:bodyPr wrap="square" rtlCol="0">
+              <a:spAutoFit/>
+            </a:bodyPr>
+            <a:lstStyle/>
+            <a:p>
+              <a:r>
+                <a:rPr lang="fr-FR" dirty="0" smtClean="0"/>
+                <a:t>Tiroir</a:t>
+              </a:r>
+              <a:endParaRPr lang="fr-FR" dirty="0"/>
+            </a:p>
+          </p:txBody>
+        </p:sp>
+      </p:grpSp>
+      <p:sp>
+        <p:nvSpPr>
+          <p:cNvPr id="8" name="Rectangle 7"/>
+          <p:cNvSpPr/>
+          <p:nvPr/>
+        </p:nvSpPr>
+        <p:spPr>
+          <a:xfrm>
+            <a:off x="3537006" y="1391919"/>
+            <a:ext cx="8167314" cy="5345043"/>
+          </a:xfrm>
+          <a:prstGeom prst="rect">
+            <a:avLst/>
+          </a:prstGeom>
+          <a:solidFill>
+            <a:schemeClr val="bg1">
+              <a:lumMod val="65000"/>
+            </a:schemeClr>
+          </a:solidFill>
+        </p:spPr>
+        <p:style>
+          <a:lnRef idx="2">
+            <a:schemeClr val="dk1"/>
+          </a:lnRef>
+          <a:fillRef idx="1">
+            <a:schemeClr val="lt1"/>
+          </a:fillRef>
+          <a:effectRef idx="0">
+            <a:schemeClr val="dk1"/>
+          </a:effectRef>
+          <a:fontRef idx="minor">
+            <a:schemeClr val="dk1"/>
+          </a:fontRef>
+        </p:style>
+        <p:txBody>
+          <a:bodyPr rtlCol="0" anchor="ctr"/>
+          <a:lstStyle/>
+          <a:p>
+            <a:pPr algn="ctr"/>
+            <a:endParaRPr lang="fr-FR" dirty="0"/>
+          </a:p>
+        </p:txBody>
+      </p:sp>
+      <p:sp>
+        <p:nvSpPr>
+          <p:cNvPr id="9" name="Rectangle 8"/>
+          <p:cNvSpPr/>
+          <p:nvPr/>
+        </p:nvSpPr>
+        <p:spPr>
+          <a:xfrm>
+            <a:off x="554382" y="1582105"/>
+            <a:ext cx="2438400" cy="692907"/>
+          </a:xfrm>
+          <a:prstGeom prst="rect">
+            <a:avLst/>
+          </a:prstGeom>
+          <a:solidFill>
+            <a:schemeClr val="accent4">
+              <a:lumMod val="75000"/>
+            </a:schemeClr>
+          </a:solidFill>
+        </p:spPr>
+        <p:style>
+          <a:lnRef idx="2">
+            <a:schemeClr val="dk1"/>
+          </a:lnRef>
+          <a:fillRef idx="1">
+            <a:schemeClr val="lt1"/>
+          </a:fillRef>
+          <a:effectRef idx="0">
+            <a:schemeClr val="dk1"/>
+          </a:effectRef>
+          <a:fontRef idx="minor">
+            <a:schemeClr val="dk1"/>
+          </a:fontRef>
+        </p:style>
+        <p:txBody>
+          <a:bodyPr rtlCol="0" anchor="ctr"/>
+          <a:lstStyle/>
+          <a:p>
+            <a:pPr algn="ctr"/>
+            <a:r>
+              <a:rPr lang="fr-FR" dirty="0" smtClean="0"/>
+              <a:t>Carte Répertoire (CR)</a:t>
+            </a:r>
+            <a:endParaRPr lang="fr-FR" dirty="0"/>
+          </a:p>
+        </p:txBody>
+      </p:sp>
+      <p:grpSp>
+        <p:nvGrpSpPr>
+          <p:cNvPr id="10" name="Group 9"/>
+          <p:cNvGrpSpPr/>
+          <p:nvPr/>
+        </p:nvGrpSpPr>
+        <p:grpSpPr>
+          <a:xfrm>
+            <a:off x="3700005" y="1868013"/>
+            <a:ext cx="7835565" cy="1994655"/>
+            <a:chOff x="3675716" y="1429265"/>
+            <a:chExt cx="7835565" cy="1994655"/>
+          </a:xfrm>
+          <a:solidFill>
+            <a:schemeClr val="accent6">
+              <a:lumMod val="75000"/>
+            </a:schemeClr>
+          </a:solidFill>
+        </p:grpSpPr>
+        <p:grpSp>
+          <p:nvGrpSpPr>
+            <p:cNvPr id="11" name="Group 10"/>
+            <p:cNvGrpSpPr/>
+            <p:nvPr/>
+          </p:nvGrpSpPr>
+          <p:grpSpPr>
+            <a:xfrm>
+              <a:off x="3675716" y="1429265"/>
+              <a:ext cx="7835565" cy="1994655"/>
+              <a:chOff x="4090064" y="4132046"/>
+              <a:chExt cx="1518257" cy="1994655"/>
+            </a:xfrm>
+            <a:grpFill/>
+          </p:grpSpPr>
+          <p:sp>
+            <p:nvSpPr>
+              <p:cNvPr id="15" name="Rectangle 14"/>
+              <p:cNvSpPr/>
+              <p:nvPr/>
+            </p:nvSpPr>
+            <p:spPr>
+              <a:xfrm>
+                <a:off x="4090064" y="4132046"/>
+                <a:ext cx="1518257" cy="1994655"/>
+              </a:xfrm>
+              <a:prstGeom prst="rect">
+                <a:avLst/>
+              </a:prstGeom>
+              <a:grpFill/>
+            </p:spPr>
+            <p:style>
+              <a:lnRef idx="2">
+                <a:schemeClr val="dk1"/>
+              </a:lnRef>
+              <a:fillRef idx="1">
+                <a:schemeClr val="lt1"/>
+              </a:fillRef>
+              <a:effectRef idx="0">
+                <a:schemeClr val="dk1"/>
+              </a:effectRef>
+              <a:fontRef idx="minor">
+                <a:schemeClr val="dk1"/>
+              </a:fontRef>
+            </p:style>
+            <p:txBody>
+              <a:bodyPr rtlCol="0" anchor="ctr"/>
+              <a:lstStyle/>
+              <a:p>
+                <a:pPr algn="ctr"/>
+                <a:endParaRPr lang="fr-FR" dirty="0"/>
+              </a:p>
+            </p:txBody>
+          </p:sp>
+          <p:sp>
+            <p:nvSpPr>
+              <p:cNvPr id="16" name="TextBox 15"/>
+              <p:cNvSpPr txBox="1"/>
+              <p:nvPr/>
+            </p:nvSpPr>
+            <p:spPr>
+              <a:xfrm>
+                <a:off x="4095970" y="4163513"/>
+                <a:ext cx="661126" cy="369332"/>
+              </a:xfrm>
+              <a:prstGeom prst="rect">
+                <a:avLst/>
+              </a:prstGeom>
+              <a:grpFill/>
+            </p:spPr>
+            <p:txBody>
+              <a:bodyPr wrap="square" rtlCol="0">
+                <a:spAutoFit/>
+              </a:bodyPr>
+              <a:lstStyle/>
+              <a:p>
+                <a:r>
+                  <a:rPr lang="fr-FR" dirty="0" smtClean="0"/>
+                  <a:t>Contenu du Répertoire (COR)</a:t>
+                </a:r>
+                <a:endParaRPr lang="fr-FR" dirty="0"/>
+              </a:p>
+            </p:txBody>
+          </p:sp>
+        </p:grpSp>
+        <p:sp>
+          <p:nvSpPr>
+            <p:cNvPr id="13" name="Rectangle 12"/>
+            <p:cNvSpPr/>
+            <p:nvPr/>
+          </p:nvSpPr>
+          <p:spPr>
+            <a:xfrm>
+              <a:off x="5511134" y="2539935"/>
+              <a:ext cx="2438400" cy="689600"/>
+            </a:xfrm>
+            <a:prstGeom prst="rect">
+              <a:avLst/>
+            </a:prstGeom>
+            <a:solidFill>
+              <a:schemeClr val="accent4">
+                <a:lumMod val="60000"/>
+                <a:lumOff val="40000"/>
+              </a:schemeClr>
+            </a:solidFill>
+          </p:spPr>
+          <p:style>
+            <a:lnRef idx="2">
+              <a:schemeClr val="dk1"/>
+            </a:lnRef>
+            <a:fillRef idx="1">
+              <a:schemeClr val="lt1"/>
+            </a:fillRef>
+            <a:effectRef idx="0">
+              <a:schemeClr val="dk1"/>
+            </a:effectRef>
+            <a:fontRef idx="minor">
+              <a:schemeClr val="dk1"/>
+            </a:fontRef>
+          </p:style>
+          <p:txBody>
+            <a:bodyPr rtlCol="0" anchor="ctr"/>
+            <a:lstStyle/>
+            <a:p>
+              <a:pPr algn="ctr"/>
+              <a:r>
+                <a:rPr lang="fr-FR" dirty="0" smtClean="0"/>
+                <a:t>Carte Fichier (CF)</a:t>
+              </a:r>
+              <a:endParaRPr lang="fr-FR" dirty="0"/>
+            </a:p>
+          </p:txBody>
+        </p:sp>
+        <p:sp>
+          <p:nvSpPr>
+            <p:cNvPr id="14" name="Rectangle 13"/>
+            <p:cNvSpPr/>
+            <p:nvPr/>
+          </p:nvSpPr>
+          <p:spPr>
+            <a:xfrm>
+              <a:off x="8088243" y="2539935"/>
+              <a:ext cx="2438400" cy="689600"/>
+            </a:xfrm>
+            <a:prstGeom prst="rect">
+              <a:avLst/>
+            </a:prstGeom>
+            <a:solidFill>
+              <a:schemeClr val="accent4">
+                <a:lumMod val="60000"/>
+                <a:lumOff val="40000"/>
+              </a:schemeClr>
+            </a:solidFill>
+          </p:spPr>
+          <p:style>
+            <a:lnRef idx="2">
+              <a:schemeClr val="dk1"/>
+            </a:lnRef>
+            <a:fillRef idx="1">
+              <a:schemeClr val="lt1"/>
+            </a:fillRef>
+            <a:effectRef idx="0">
+              <a:schemeClr val="dk1"/>
+            </a:effectRef>
+            <a:fontRef idx="minor">
+              <a:schemeClr val="dk1"/>
+            </a:fontRef>
+          </p:style>
+          <p:txBody>
+            <a:bodyPr rtlCol="0" anchor="ctr"/>
+            <a:lstStyle/>
+            <a:p>
+              <a:pPr algn="ctr"/>
+              <a:r>
+                <a:rPr lang="fr-FR" dirty="0" smtClean="0"/>
+                <a:t>Carte Fichier (CF)</a:t>
+              </a:r>
+              <a:endParaRPr lang="fr-FR" dirty="0"/>
+            </a:p>
+          </p:txBody>
+        </p:sp>
+      </p:grpSp>
+      <p:sp>
+        <p:nvSpPr>
+          <p:cNvPr id="17" name="Rectangle 16"/>
+          <p:cNvSpPr/>
+          <p:nvPr/>
+        </p:nvSpPr>
+        <p:spPr>
+          <a:xfrm>
+            <a:off x="554382" y="2463850"/>
+            <a:ext cx="2438400" cy="734215"/>
+          </a:xfrm>
+          <a:prstGeom prst="rect">
+            <a:avLst/>
+          </a:prstGeom>
+          <a:solidFill>
+            <a:schemeClr val="accent4">
+              <a:lumMod val="75000"/>
+            </a:schemeClr>
+          </a:solidFill>
+        </p:spPr>
+        <p:style>
+          <a:lnRef idx="2">
+            <a:schemeClr val="dk1"/>
+          </a:lnRef>
+          <a:fillRef idx="1">
+            <a:schemeClr val="lt1"/>
+          </a:fillRef>
+          <a:effectRef idx="0">
+            <a:schemeClr val="dk1"/>
+          </a:effectRef>
+          <a:fontRef idx="minor">
+            <a:schemeClr val="dk1"/>
+          </a:fontRef>
+        </p:style>
+        <p:txBody>
+          <a:bodyPr rtlCol="0" anchor="ctr"/>
+          <a:lstStyle/>
+          <a:p>
+            <a:pPr algn="ctr"/>
+            <a:r>
+              <a:rPr lang="fr-FR" dirty="0" smtClean="0"/>
+              <a:t>Carte </a:t>
+            </a:r>
+            <a:r>
+              <a:rPr lang="fr-FR" dirty="0" smtClean="0"/>
+              <a:t>Répertoire (CR)</a:t>
+            </a:r>
+            <a:endParaRPr lang="fr-FR" dirty="0"/>
+          </a:p>
+        </p:txBody>
+      </p:sp>
+      <p:sp>
+        <p:nvSpPr>
+          <p:cNvPr id="18" name="Rectangle 17"/>
+          <p:cNvSpPr/>
+          <p:nvPr/>
+        </p:nvSpPr>
+        <p:spPr>
+          <a:xfrm>
+            <a:off x="3699999" y="4107935"/>
+            <a:ext cx="7835570" cy="2465585"/>
+          </a:xfrm>
+          <a:prstGeom prst="rect">
+            <a:avLst/>
+          </a:prstGeom>
+          <a:solidFill>
+            <a:schemeClr val="accent6">
+              <a:lumMod val="60000"/>
+              <a:lumOff val="40000"/>
+            </a:schemeClr>
+          </a:solidFill>
+        </p:spPr>
+        <p:style>
+          <a:lnRef idx="2">
+            <a:schemeClr val="dk1"/>
+          </a:lnRef>
+          <a:fillRef idx="1">
+            <a:schemeClr val="lt1"/>
+          </a:fillRef>
+          <a:effectRef idx="0">
+            <a:schemeClr val="dk1"/>
+          </a:effectRef>
+          <a:fontRef idx="minor">
+            <a:schemeClr val="dk1"/>
+          </a:fontRef>
+        </p:style>
+        <p:txBody>
+          <a:bodyPr rtlCol="0" anchor="ctr"/>
+          <a:lstStyle/>
+          <a:p>
+            <a:pPr algn="ctr"/>
+            <a:r>
+              <a:rPr lang="fr-FR" dirty="0" smtClean="0"/>
+              <a:t>Contenu du Fichier (COF)</a:t>
+            </a:r>
+            <a:endParaRPr lang="fr-FR" dirty="0"/>
+          </a:p>
+        </p:txBody>
+      </p:sp>
+      <p:sp>
+        <p:nvSpPr>
+          <p:cNvPr id="19" name="TextBox 18"/>
+          <p:cNvSpPr txBox="1"/>
+          <p:nvPr/>
+        </p:nvSpPr>
+        <p:spPr>
+          <a:xfrm>
+            <a:off x="3537006" y="1418139"/>
+            <a:ext cx="2660594" cy="369332"/>
+          </a:xfrm>
+          <a:prstGeom prst="rect">
+            <a:avLst/>
+          </a:prstGeom>
+          <a:noFill/>
+        </p:spPr>
+        <p:txBody>
+          <a:bodyPr wrap="square" rtlCol="0">
+            <a:spAutoFit/>
+          </a:bodyPr>
+          <a:lstStyle/>
+          <a:p>
+            <a:r>
+              <a:rPr lang="fr-FR" dirty="0" smtClean="0"/>
+              <a:t>Bureau</a:t>
+            </a:r>
+            <a:endParaRPr lang="fr-FR" dirty="0"/>
+          </a:p>
+        </p:txBody>
+      </p:sp>
+      <p:sp>
+        <p:nvSpPr>
+          <p:cNvPr id="27" name="Rectangle 26"/>
+          <p:cNvSpPr/>
+          <p:nvPr/>
+        </p:nvSpPr>
+        <p:spPr>
+          <a:xfrm>
+            <a:off x="3537006" y="534253"/>
+            <a:ext cx="8167314" cy="692907"/>
+          </a:xfrm>
+          <a:prstGeom prst="rect">
+            <a:avLst/>
+          </a:prstGeom>
+          <a:solidFill>
+            <a:srgbClr val="0070C0"/>
+          </a:solidFill>
+        </p:spPr>
+        <p:style>
+          <a:lnRef idx="2">
+            <a:schemeClr val="dk1"/>
+          </a:lnRef>
+          <a:fillRef idx="1">
+            <a:schemeClr val="lt1"/>
+          </a:fillRef>
+          <a:effectRef idx="0">
+            <a:schemeClr val="dk1"/>
+          </a:effectRef>
+          <a:fontRef idx="minor">
+            <a:schemeClr val="dk1"/>
+          </a:fontRef>
+        </p:style>
+        <p:txBody>
+          <a:bodyPr rtlCol="0" anchor="ctr"/>
+          <a:lstStyle/>
+          <a:p>
+            <a:pPr algn="ctr"/>
+            <a:r>
+              <a:rPr lang="fr-FR" dirty="0" smtClean="0">
+                <a:solidFill>
+                  <a:schemeClr val="bg1"/>
+                </a:solidFill>
+              </a:rPr>
+              <a:t>Navbar</a:t>
+            </a:r>
+            <a:endParaRPr lang="fr-FR" dirty="0">
+              <a:solidFill>
+                <a:schemeClr val="bg1"/>
+              </a:solidFill>
+            </a:endParaRPr>
+          </a:p>
+        </p:txBody>
+      </p:sp>
+      <p:sp>
+        <p:nvSpPr>
+          <p:cNvPr id="28" name="Rectangle 27"/>
+          <p:cNvSpPr/>
+          <p:nvPr/>
+        </p:nvSpPr>
+        <p:spPr>
+          <a:xfrm>
+            <a:off x="5535423" y="2439498"/>
+            <a:ext cx="5015509" cy="344800"/>
+          </a:xfrm>
+          <a:prstGeom prst="rect">
+            <a:avLst/>
+          </a:prstGeom>
+          <a:solidFill>
+            <a:schemeClr val="accent5">
+              <a:lumMod val="60000"/>
+              <a:lumOff val="40000"/>
+            </a:schemeClr>
+          </a:solidFill>
+        </p:spPr>
+        <p:style>
+          <a:lnRef idx="2">
+            <a:schemeClr val="dk1"/>
+          </a:lnRef>
+          <a:fillRef idx="1">
+            <a:schemeClr val="lt1"/>
+          </a:fillRef>
+          <a:effectRef idx="0">
+            <a:schemeClr val="dk1"/>
+          </a:effectRef>
+          <a:fontRef idx="minor">
+            <a:schemeClr val="dk1"/>
+          </a:fontRef>
+        </p:style>
+        <p:txBody>
+          <a:bodyPr rtlCol="0" anchor="ctr"/>
+          <a:lstStyle/>
+          <a:p>
+            <a:pPr algn="ctr"/>
+            <a:r>
+              <a:rPr lang="fr-FR" dirty="0" smtClean="0"/>
+              <a:t>Boite Outils Répertoire (BOR)</a:t>
+            </a:r>
+            <a:endParaRPr lang="fr-FR" dirty="0"/>
+          </a:p>
+        </p:txBody>
+      </p:sp>
+    </p:spTree>
+    <p:extLst>
+      <p:ext uri="{BB962C8B-B14F-4D97-AF65-F5344CB8AC3E}">
+        <p14:creationId xmlns:p14="http://schemas.microsoft.com/office/powerpoint/2010/main" val="3011569976"/>
+      </p:ext>
+    </p:extLst>
+  </p:cSld>
+  <p:clrMapOvr>
+    <a:masterClrMapping/>
+  </p:clrMapOvr>
+  <p:timing>
+    <p:tnLst>
+      <p:par>
+        <p:cTn id="1" dur="indefinite" restart="never" nodeType="tmRoot"/>
+      </p:par>
+    </p:tnLst>
+  </p:timing>
+</p:sld>
+</file>
+
+<file path=ppt/slides/slide5.xml><?xml version="1.0" encoding="utf-8"?>
+<p:sld xmlns:a="http://schemas.openxmlformats.org/drawingml/2006/main" xmlns:r="http://schemas.openxmlformats.org/officeDocument/2006/relationships" xmlns:p="http://schemas.openxmlformats.org/presentationml/2006/main">
+  <p:cSld>
+    <p:spTree>
+      <p:nvGrpSpPr>
+        <p:cNvPr id="1" name=""/>
+        <p:cNvGrpSpPr/>
+        <p:nvPr/>
+      </p:nvGrpSpPr>
+      <p:grpSpPr>
+        <a:xfrm>
+          <a:off x="0" y="0"/>
+          <a:ext cx="0" cy="0"/>
+          <a:chOff x="0" y="0"/>
+          <a:chExt cx="0" cy="0"/>
+        </a:xfrm>
+      </p:grpSpPr>
+      <p:sp>
+        <p:nvSpPr>
+          <p:cNvPr id="2" name="Rectangle 1"/>
+          <p:cNvSpPr/>
+          <p:nvPr/>
+        </p:nvSpPr>
+        <p:spPr>
+          <a:xfrm>
+            <a:off x="5535422" y="1463040"/>
+            <a:ext cx="3395217" cy="2225040"/>
+          </a:xfrm>
+          <a:prstGeom prst="rect">
+            <a:avLst/>
+          </a:prstGeom>
+          <a:solidFill>
+            <a:schemeClr val="accent4">
+              <a:lumMod val="60000"/>
+              <a:lumOff val="40000"/>
+            </a:schemeClr>
+          </a:solidFill>
+        </p:spPr>
+        <p:style>
+          <a:lnRef idx="2">
+            <a:schemeClr val="dk1"/>
+          </a:lnRef>
+          <a:fillRef idx="1">
+            <a:schemeClr val="lt1"/>
+          </a:fillRef>
+          <a:effectRef idx="0">
+            <a:schemeClr val="dk1"/>
+          </a:effectRef>
+          <a:fontRef idx="minor">
+            <a:schemeClr val="dk1"/>
+          </a:fontRef>
+        </p:style>
+        <p:txBody>
+          <a:bodyPr rtlCol="0" anchor="ctr"/>
+          <a:lstStyle/>
+          <a:p>
+            <a:pPr algn="ctr"/>
+            <a:endParaRPr lang="fr-FR" dirty="0"/>
+          </a:p>
+        </p:txBody>
+      </p:sp>
+      <p:sp>
+        <p:nvSpPr>
+          <p:cNvPr id="3" name="Rectangle 2"/>
+          <p:cNvSpPr/>
+          <p:nvPr/>
+        </p:nvSpPr>
+        <p:spPr>
+          <a:xfrm>
+            <a:off x="5614062" y="2804161"/>
+            <a:ext cx="912212" cy="771332"/>
+          </a:xfrm>
+          <a:prstGeom prst="rect">
+            <a:avLst/>
+          </a:prstGeom>
+        </p:spPr>
+        <p:style>
+          <a:lnRef idx="2">
+            <a:schemeClr val="dk1"/>
+          </a:lnRef>
+          <a:fillRef idx="1">
+            <a:schemeClr val="lt1"/>
+          </a:fillRef>
+          <a:effectRef idx="0">
+            <a:schemeClr val="dk1"/>
+          </a:effectRef>
+          <a:fontRef idx="minor">
+            <a:schemeClr val="dk1"/>
+          </a:fontRef>
+        </p:style>
+        <p:txBody>
+          <a:bodyPr rtlCol="0" anchor="ctr"/>
+          <a:lstStyle/>
+          <a:p>
+            <a:pPr algn="ctr"/>
+            <a:r>
+              <a:rPr lang="vi-VN" dirty="0" err="1" smtClean="0"/>
+              <a:t>Xóa</a:t>
+            </a:r>
+            <a:endParaRPr lang="vi-VN" dirty="0"/>
+          </a:p>
+        </p:txBody>
+      </p:sp>
+      <p:sp>
+        <p:nvSpPr>
+          <p:cNvPr id="4" name="TextBox 3"/>
+          <p:cNvSpPr txBox="1"/>
+          <p:nvPr/>
+        </p:nvSpPr>
+        <p:spPr>
+          <a:xfrm>
+            <a:off x="6187440" y="1948935"/>
+            <a:ext cx="2087216" cy="369332"/>
+          </a:xfrm>
+          <a:prstGeom prst="rect">
+            <a:avLst/>
+          </a:prstGeom>
+          <a:noFill/>
+        </p:spPr>
+        <p:txBody>
+          <a:bodyPr wrap="square" rtlCol="0">
+            <a:spAutoFit/>
+          </a:bodyPr>
+          <a:lstStyle/>
+          <a:p>
+            <a:r>
+              <a:rPr lang="vi-VN" dirty="0" smtClean="0"/>
+              <a:t>Tên </a:t>
+            </a:r>
+            <a:r>
+              <a:rPr lang="vi-VN" dirty="0" err="1" smtClean="0"/>
+              <a:t>gọi</a:t>
+            </a:r>
+            <a:endParaRPr lang="vi-VN" dirty="0"/>
+          </a:p>
+        </p:txBody>
+      </p:sp>
+      <p:sp>
+        <p:nvSpPr>
+          <p:cNvPr id="5" name="Rectangle 4"/>
+          <p:cNvSpPr/>
+          <p:nvPr/>
+        </p:nvSpPr>
+        <p:spPr>
+          <a:xfrm>
+            <a:off x="6717105" y="2804161"/>
+            <a:ext cx="955903" cy="771332"/>
+          </a:xfrm>
+          <a:prstGeom prst="rect">
+            <a:avLst/>
+          </a:prstGeom>
+        </p:spPr>
+        <p:style>
+          <a:lnRef idx="2">
+            <a:schemeClr val="dk1"/>
+          </a:lnRef>
+          <a:fillRef idx="1">
+            <a:schemeClr val="lt1"/>
+          </a:fillRef>
+          <a:effectRef idx="0">
+            <a:schemeClr val="dk1"/>
+          </a:effectRef>
+          <a:fontRef idx="minor">
+            <a:schemeClr val="dk1"/>
+          </a:fontRef>
+        </p:style>
+        <p:txBody>
+          <a:bodyPr rtlCol="0" anchor="ctr"/>
+          <a:lstStyle/>
+          <a:p>
+            <a:pPr algn="ctr"/>
+            <a:r>
+              <a:rPr lang="vi-VN" dirty="0" err="1" smtClean="0"/>
+              <a:t>Đổi</a:t>
+            </a:r>
+            <a:r>
+              <a:rPr lang="vi-VN" dirty="0" smtClean="0"/>
+              <a:t> tên</a:t>
+            </a:r>
+            <a:endParaRPr lang="vi-VN" dirty="0"/>
+          </a:p>
+        </p:txBody>
+      </p:sp>
+      <p:sp>
+        <p:nvSpPr>
+          <p:cNvPr id="6" name="Rectangle 5"/>
+          <p:cNvSpPr/>
+          <p:nvPr/>
+        </p:nvSpPr>
+        <p:spPr>
+          <a:xfrm>
+            <a:off x="7863840" y="2804161"/>
+            <a:ext cx="969616" cy="771332"/>
+          </a:xfrm>
+          <a:prstGeom prst="rect">
+            <a:avLst/>
+          </a:prstGeom>
+        </p:spPr>
+        <p:style>
+          <a:lnRef idx="2">
+            <a:schemeClr val="dk1"/>
+          </a:lnRef>
+          <a:fillRef idx="1">
+            <a:schemeClr val="lt1"/>
+          </a:fillRef>
+          <a:effectRef idx="0">
+            <a:schemeClr val="dk1"/>
+          </a:effectRef>
+          <a:fontRef idx="minor">
+            <a:schemeClr val="dk1"/>
+          </a:fontRef>
+        </p:style>
+        <p:txBody>
+          <a:bodyPr rtlCol="0" anchor="ctr"/>
+          <a:lstStyle/>
+          <a:p>
+            <a:pPr algn="ctr"/>
+            <a:r>
+              <a:rPr lang="vi-VN" dirty="0" smtClean="0"/>
+              <a:t>Thăm</a:t>
+            </a:r>
+            <a:endParaRPr lang="vi-VN" dirty="0"/>
+          </a:p>
+        </p:txBody>
+      </p:sp>
+    </p:spTree>
+    <p:extLst>
+      <p:ext uri="{BB962C8B-B14F-4D97-AF65-F5344CB8AC3E}">
+        <p14:creationId xmlns:p14="http://schemas.microsoft.com/office/powerpoint/2010/main" val="2232285445"/>
       </p:ext>
     </p:extLst>
   </p:cSld>
